--- a/Data_preprocessing.pptx
+++ b/Data_preprocessing.pptx
@@ -882,7 +882,7 @@
         <a:p>
           <a:r>
             <a:rPr lang="en-GB" dirty="0"/>
-            <a:t>Log-transform</a:t>
+            <a:t>Log2-transform</a:t>
           </a:r>
         </a:p>
       </dgm:t>
@@ -1003,10 +1003,7 @@
           <a:br>
             <a:rPr lang="en-GB" dirty="0"/>
           </a:br>
-          <a:r>
-            <a:rPr lang="en-GB" dirty="0"/>
-            <a:t>(if needed)</a:t>
-          </a:r>
+          <a:endParaRPr lang="en-GB" dirty="0"/>
         </a:p>
       </dgm:t>
     </dgm:pt>
@@ -1434,7 +1431,7 @@
           </a:pPr>
           <a:r>
             <a:rPr lang="en-GB" sz="1600" kern="1200" dirty="0"/>
-            <a:t>Log-transform</a:t>
+            <a:t>Log2-transform</a:t>
           </a:r>
         </a:p>
       </dsp:txBody>
@@ -1620,10 +1617,7 @@
           <a:br>
             <a:rPr lang="en-GB" sz="1600" kern="1200" dirty="0"/>
           </a:br>
-          <a:r>
-            <a:rPr lang="en-GB" sz="1600" kern="1200" dirty="0"/>
-            <a:t>(if needed)</a:t>
-          </a:r>
+          <a:endParaRPr lang="en-GB" sz="1600" kern="1200" dirty="0"/>
         </a:p>
       </dsp:txBody>
       <dsp:txXfrm rot="-5400000">
@@ -3363,7 +3357,7 @@
           <a:p>
             <a:fld id="{7C5218CE-F362-B54A-AED7-9655CD4BD0A9}" type="datetimeFigureOut">
               <a:rPr lang="en-DK" smtClean="0"/>
-              <a:t>19/11/2024</a:t>
+              <a:t>02/12/2024</a:t>
             </a:fld>
             <a:endParaRPr lang="en-DK"/>
           </a:p>
@@ -3563,7 +3557,7 @@
           <a:p>
             <a:fld id="{7C5218CE-F362-B54A-AED7-9655CD4BD0A9}" type="datetimeFigureOut">
               <a:rPr lang="en-DK" smtClean="0"/>
-              <a:t>19/11/2024</a:t>
+              <a:t>02/12/2024</a:t>
             </a:fld>
             <a:endParaRPr lang="en-DK"/>
           </a:p>
@@ -3773,7 +3767,7 @@
           <a:p>
             <a:fld id="{7C5218CE-F362-B54A-AED7-9655CD4BD0A9}" type="datetimeFigureOut">
               <a:rPr lang="en-DK" smtClean="0"/>
-              <a:t>19/11/2024</a:t>
+              <a:t>02/12/2024</a:t>
             </a:fld>
             <a:endParaRPr lang="en-DK"/>
           </a:p>
@@ -3973,7 +3967,7 @@
           <a:p>
             <a:fld id="{7C5218CE-F362-B54A-AED7-9655CD4BD0A9}" type="datetimeFigureOut">
               <a:rPr lang="en-DK" smtClean="0"/>
-              <a:t>19/11/2024</a:t>
+              <a:t>02/12/2024</a:t>
             </a:fld>
             <a:endParaRPr lang="en-DK"/>
           </a:p>
@@ -4249,7 +4243,7 @@
           <a:p>
             <a:fld id="{7C5218CE-F362-B54A-AED7-9655CD4BD0A9}" type="datetimeFigureOut">
               <a:rPr lang="en-DK" smtClean="0"/>
-              <a:t>19/11/2024</a:t>
+              <a:t>02/12/2024</a:t>
             </a:fld>
             <a:endParaRPr lang="en-DK"/>
           </a:p>
@@ -4517,7 +4511,7 @@
           <a:p>
             <a:fld id="{7C5218CE-F362-B54A-AED7-9655CD4BD0A9}" type="datetimeFigureOut">
               <a:rPr lang="en-DK" smtClean="0"/>
-              <a:t>19/11/2024</a:t>
+              <a:t>02/12/2024</a:t>
             </a:fld>
             <a:endParaRPr lang="en-DK"/>
           </a:p>
@@ -4932,7 +4926,7 @@
           <a:p>
             <a:fld id="{7C5218CE-F362-B54A-AED7-9655CD4BD0A9}" type="datetimeFigureOut">
               <a:rPr lang="en-DK" smtClean="0"/>
-              <a:t>19/11/2024</a:t>
+              <a:t>02/12/2024</a:t>
             </a:fld>
             <a:endParaRPr lang="en-DK"/>
           </a:p>
@@ -5074,7 +5068,7 @@
           <a:p>
             <a:fld id="{7C5218CE-F362-B54A-AED7-9655CD4BD0A9}" type="datetimeFigureOut">
               <a:rPr lang="en-DK" smtClean="0"/>
-              <a:t>19/11/2024</a:t>
+              <a:t>02/12/2024</a:t>
             </a:fld>
             <a:endParaRPr lang="en-DK"/>
           </a:p>
@@ -5187,7 +5181,7 @@
           <a:p>
             <a:fld id="{7C5218CE-F362-B54A-AED7-9655CD4BD0A9}" type="datetimeFigureOut">
               <a:rPr lang="en-DK" smtClean="0"/>
-              <a:t>19/11/2024</a:t>
+              <a:t>02/12/2024</a:t>
             </a:fld>
             <a:endParaRPr lang="en-DK"/>
           </a:p>
@@ -5500,7 +5494,7 @@
           <a:p>
             <a:fld id="{7C5218CE-F362-B54A-AED7-9655CD4BD0A9}" type="datetimeFigureOut">
               <a:rPr lang="en-DK" smtClean="0"/>
-              <a:t>19/11/2024</a:t>
+              <a:t>02/12/2024</a:t>
             </a:fld>
             <a:endParaRPr lang="en-DK"/>
           </a:p>
@@ -5789,7 +5783,7 @@
           <a:p>
             <a:fld id="{7C5218CE-F362-B54A-AED7-9655CD4BD0A9}" type="datetimeFigureOut">
               <a:rPr lang="en-DK" smtClean="0"/>
-              <a:t>19/11/2024</a:t>
+              <a:t>02/12/2024</a:t>
             </a:fld>
             <a:endParaRPr lang="en-DK"/>
           </a:p>
@@ -6032,7 +6026,7 @@
           <a:p>
             <a:fld id="{7C5218CE-F362-B54A-AED7-9655CD4BD0A9}" type="datetimeFigureOut">
               <a:rPr lang="en-DK" smtClean="0"/>
-              <a:t>19/11/2024</a:t>
+              <a:t>02/12/2024</a:t>
             </a:fld>
             <a:endParaRPr lang="en-DK"/>
           </a:p>
@@ -6462,7 +6456,7 @@
           <p:nvPr>
             <p:extLst>
               <p:ext uri="{D42A27DB-BD31-4B8C-83A1-F6EECF244321}">
-                <p14:modId xmlns:p14="http://schemas.microsoft.com/office/powerpoint/2010/main" val="2815597378"/>
+                <p14:modId xmlns:p14="http://schemas.microsoft.com/office/powerpoint/2010/main" val="654936043"/>
               </p:ext>
             </p:extLst>
           </p:nvPr>
